--- a/figure.pptx
+++ b/figure.pptx
@@ -106,7 +106,7 @@
   </p:defaultTextStyle>
   <p:extLst>
     <p:ext uri="{EFAFB233-063F-42B5-8137-9DF3F51BA10A}">
-      <p15:sldGuideLst xmlns:p15="http://schemas.microsoft.com/office/powerpoint/2012/main"/>
+      <p15:sldGuideLst xmlns:p15="http://schemas.microsoft.com/office/powerpoint/2012/main" xmlns=""/>
     </p:ext>
   </p:extLst>
 </p:presentation>
@@ -243,7 +243,7 @@
           <a:p>
             <a:fld id="{881BC0E8-0288-429A-8884-50754CF2AD97}" type="datetimeFigureOut">
               <a:rPr lang="zh-CN" altLang="en-US" smtClean="0"/>
-              <a:t>2016/6/9</a:t>
+              <a:t>2016/6/10</a:t>
             </a:fld>
             <a:endParaRPr lang="zh-CN" altLang="en-US"/>
           </a:p>
@@ -413,7 +413,7 @@
           <a:p>
             <a:fld id="{881BC0E8-0288-429A-8884-50754CF2AD97}" type="datetimeFigureOut">
               <a:rPr lang="zh-CN" altLang="en-US" smtClean="0"/>
-              <a:t>2016/6/9</a:t>
+              <a:t>2016/6/10</a:t>
             </a:fld>
             <a:endParaRPr lang="zh-CN" altLang="en-US"/>
           </a:p>
@@ -593,7 +593,7 @@
           <a:p>
             <a:fld id="{881BC0E8-0288-429A-8884-50754CF2AD97}" type="datetimeFigureOut">
               <a:rPr lang="zh-CN" altLang="en-US" smtClean="0"/>
-              <a:t>2016/6/9</a:t>
+              <a:t>2016/6/10</a:t>
             </a:fld>
             <a:endParaRPr lang="zh-CN" altLang="en-US"/>
           </a:p>
@@ -763,7 +763,7 @@
           <a:p>
             <a:fld id="{881BC0E8-0288-429A-8884-50754CF2AD97}" type="datetimeFigureOut">
               <a:rPr lang="zh-CN" altLang="en-US" smtClean="0"/>
-              <a:t>2016/6/9</a:t>
+              <a:t>2016/6/10</a:t>
             </a:fld>
             <a:endParaRPr lang="zh-CN" altLang="en-US"/>
           </a:p>
@@ -1009,7 +1009,7 @@
           <a:p>
             <a:fld id="{881BC0E8-0288-429A-8884-50754CF2AD97}" type="datetimeFigureOut">
               <a:rPr lang="zh-CN" altLang="en-US" smtClean="0"/>
-              <a:t>2016/6/9</a:t>
+              <a:t>2016/6/10</a:t>
             </a:fld>
             <a:endParaRPr lang="zh-CN" altLang="en-US"/>
           </a:p>
@@ -1241,7 +1241,7 @@
           <a:p>
             <a:fld id="{881BC0E8-0288-429A-8884-50754CF2AD97}" type="datetimeFigureOut">
               <a:rPr lang="zh-CN" altLang="en-US" smtClean="0"/>
-              <a:t>2016/6/9</a:t>
+              <a:t>2016/6/10</a:t>
             </a:fld>
             <a:endParaRPr lang="zh-CN" altLang="en-US"/>
           </a:p>
@@ -1608,7 +1608,7 @@
           <a:p>
             <a:fld id="{881BC0E8-0288-429A-8884-50754CF2AD97}" type="datetimeFigureOut">
               <a:rPr lang="zh-CN" altLang="en-US" smtClean="0"/>
-              <a:t>2016/6/9</a:t>
+              <a:t>2016/6/10</a:t>
             </a:fld>
             <a:endParaRPr lang="zh-CN" altLang="en-US"/>
           </a:p>
@@ -1726,7 +1726,7 @@
           <a:p>
             <a:fld id="{881BC0E8-0288-429A-8884-50754CF2AD97}" type="datetimeFigureOut">
               <a:rPr lang="zh-CN" altLang="en-US" smtClean="0"/>
-              <a:t>2016/6/9</a:t>
+              <a:t>2016/6/10</a:t>
             </a:fld>
             <a:endParaRPr lang="zh-CN" altLang="en-US"/>
           </a:p>
@@ -1821,7 +1821,7 @@
           <a:p>
             <a:fld id="{881BC0E8-0288-429A-8884-50754CF2AD97}" type="datetimeFigureOut">
               <a:rPr lang="zh-CN" altLang="en-US" smtClean="0"/>
-              <a:t>2016/6/9</a:t>
+              <a:t>2016/6/10</a:t>
             </a:fld>
             <a:endParaRPr lang="zh-CN" altLang="en-US"/>
           </a:p>
@@ -2098,7 +2098,7 @@
           <a:p>
             <a:fld id="{881BC0E8-0288-429A-8884-50754CF2AD97}" type="datetimeFigureOut">
               <a:rPr lang="zh-CN" altLang="en-US" smtClean="0"/>
-              <a:t>2016/6/9</a:t>
+              <a:t>2016/6/10</a:t>
             </a:fld>
             <a:endParaRPr lang="zh-CN" altLang="en-US"/>
           </a:p>
@@ -2351,7 +2351,7 @@
           <a:p>
             <a:fld id="{881BC0E8-0288-429A-8884-50754CF2AD97}" type="datetimeFigureOut">
               <a:rPr lang="zh-CN" altLang="en-US" smtClean="0"/>
-              <a:t>2016/6/9</a:t>
+              <a:t>2016/6/10</a:t>
             </a:fld>
             <a:endParaRPr lang="zh-CN" altLang="en-US"/>
           </a:p>
@@ -2564,7 +2564,7 @@
           <a:p>
             <a:fld id="{881BC0E8-0288-429A-8884-50754CF2AD97}" type="datetimeFigureOut">
               <a:rPr lang="zh-CN" altLang="en-US" smtClean="0"/>
-              <a:t>2016/6/9</a:t>
+              <a:t>2016/6/10</a:t>
             </a:fld>
             <a:endParaRPr lang="zh-CN" altLang="en-US"/>
           </a:p>
@@ -3071,6 +3071,7 @@
           <a:prstGeom prst="roundRect">
             <a:avLst/>
           </a:prstGeom>
+          <a:noFill/>
         </p:spPr>
         <p:style>
           <a:lnRef idx="2">
@@ -3094,10 +3095,18 @@
           <a:p>
             <a:pPr algn="ctr"/>
             <a:r>
-              <a:rPr lang="en-US" altLang="zh-CN" dirty="0" smtClean="0"/>
+              <a:rPr lang="en-US" altLang="zh-CN" dirty="0" smtClean="0">
+                <a:solidFill>
+                  <a:schemeClr val="tx1"/>
+                </a:solidFill>
+              </a:rPr>
               <a:t>A3</a:t>
             </a:r>
-            <a:endParaRPr lang="zh-CN" altLang="en-US" dirty="0"/>
+            <a:endParaRPr lang="zh-CN" altLang="en-US" dirty="0">
+              <a:solidFill>
+                <a:schemeClr val="tx1"/>
+              </a:solidFill>
+            </a:endParaRPr>
           </a:p>
         </p:txBody>
       </p:sp>
@@ -3150,6 +3159,313 @@
           <a:xfrm flipV="1">
             <a:off x="5992305" y="2243575"/>
             <a:ext cx="581320" cy="3"/>
+          </a:xfrm>
+          <a:prstGeom prst="straightConnector1">
+            <a:avLst/>
+          </a:prstGeom>
+          <a:ln w="38100">
+            <a:solidFill>
+              <a:schemeClr val="tx1"/>
+            </a:solidFill>
+            <a:tailEnd type="triangle"/>
+          </a:ln>
+        </p:spPr>
+        <p:style>
+          <a:lnRef idx="1">
+            <a:schemeClr val="accent1"/>
+          </a:lnRef>
+          <a:fillRef idx="0">
+            <a:schemeClr val="accent1"/>
+          </a:fillRef>
+          <a:effectRef idx="0">
+            <a:schemeClr val="accent1"/>
+          </a:effectRef>
+          <a:fontRef idx="minor">
+            <a:schemeClr val="tx1"/>
+          </a:fontRef>
+        </p:style>
+      </p:cxnSp>
+      <p:sp>
+        <p:nvSpPr>
+          <p:cNvPr id="9" name="圆角矩形 1"/>
+          <p:cNvSpPr/>
+          <p:nvPr/>
+        </p:nvSpPr>
+        <p:spPr>
+          <a:xfrm>
+            <a:off x="3450210" y="3033934"/>
+            <a:ext cx="980387" cy="641023"/>
+          </a:xfrm>
+          <a:prstGeom prst="roundRect">
+            <a:avLst/>
+          </a:prstGeom>
+          <a:solidFill>
+            <a:srgbClr val="00B050"/>
+          </a:solidFill>
+        </p:spPr>
+        <p:style>
+          <a:lnRef idx="2">
+            <a:schemeClr val="accent1">
+              <a:shade val="50000"/>
+            </a:schemeClr>
+          </a:lnRef>
+          <a:fillRef idx="1">
+            <a:schemeClr val="accent1"/>
+          </a:fillRef>
+          <a:effectRef idx="0">
+            <a:schemeClr val="accent1"/>
+          </a:effectRef>
+          <a:fontRef idx="minor">
+            <a:schemeClr val="lt1"/>
+          </a:fontRef>
+        </p:style>
+        <p:txBody>
+          <a:bodyPr rtlCol="0" anchor="ctr"/>
+          <a:lstStyle/>
+          <a:p>
+            <a:pPr algn="ctr"/>
+            <a:r>
+              <a:rPr lang="en-US" altLang="zh-CN" dirty="0"/>
+              <a:t>B</a:t>
+            </a:r>
+            <a:r>
+              <a:rPr lang="en-US" altLang="zh-CN" dirty="0" smtClean="0"/>
+              <a:t>1</a:t>
+            </a:r>
+            <a:endParaRPr lang="zh-CN" altLang="en-US" dirty="0"/>
+          </a:p>
+        </p:txBody>
+      </p:sp>
+      <p:sp>
+        <p:nvSpPr>
+          <p:cNvPr id="10" name="圆角矩形 4"/>
+          <p:cNvSpPr/>
+          <p:nvPr/>
+        </p:nvSpPr>
+        <p:spPr>
+          <a:xfrm>
+            <a:off x="5011918" y="3033933"/>
+            <a:ext cx="980387" cy="641023"/>
+          </a:xfrm>
+          <a:prstGeom prst="roundRect">
+            <a:avLst/>
+          </a:prstGeom>
+          <a:solidFill>
+            <a:srgbClr val="00B050"/>
+          </a:solidFill>
+        </p:spPr>
+        <p:style>
+          <a:lnRef idx="2">
+            <a:schemeClr val="accent1">
+              <a:shade val="50000"/>
+            </a:schemeClr>
+          </a:lnRef>
+          <a:fillRef idx="1">
+            <a:schemeClr val="accent1"/>
+          </a:fillRef>
+          <a:effectRef idx="0">
+            <a:schemeClr val="accent1"/>
+          </a:effectRef>
+          <a:fontRef idx="minor">
+            <a:schemeClr val="lt1"/>
+          </a:fontRef>
+        </p:style>
+        <p:txBody>
+          <a:bodyPr rtlCol="0" anchor="ctr"/>
+          <a:lstStyle/>
+          <a:p>
+            <a:pPr algn="ctr"/>
+            <a:r>
+              <a:rPr lang="en-US" altLang="zh-CN" dirty="0"/>
+              <a:t>B</a:t>
+            </a:r>
+            <a:r>
+              <a:rPr lang="en-US" altLang="zh-CN" dirty="0" smtClean="0"/>
+              <a:t>2</a:t>
+            </a:r>
+            <a:endParaRPr lang="zh-CN" altLang="en-US" dirty="0"/>
+          </a:p>
+        </p:txBody>
+      </p:sp>
+      <p:cxnSp>
+        <p:nvCxnSpPr>
+          <p:cNvPr id="11" name="直接箭头连接符 6"/>
+          <p:cNvCxnSpPr/>
+          <p:nvPr/>
+        </p:nvCxnSpPr>
+        <p:spPr>
+          <a:xfrm flipV="1">
+            <a:off x="4430597" y="3348743"/>
+            <a:ext cx="581320" cy="3"/>
+          </a:xfrm>
+          <a:prstGeom prst="straightConnector1">
+            <a:avLst/>
+          </a:prstGeom>
+          <a:ln w="38100">
+            <a:solidFill>
+              <a:schemeClr val="tx1"/>
+            </a:solidFill>
+            <a:tailEnd type="triangle"/>
+          </a:ln>
+        </p:spPr>
+        <p:style>
+          <a:lnRef idx="1">
+            <a:schemeClr val="accent1"/>
+          </a:lnRef>
+          <a:fillRef idx="0">
+            <a:schemeClr val="accent1"/>
+          </a:fillRef>
+          <a:effectRef idx="0">
+            <a:schemeClr val="accent1"/>
+          </a:effectRef>
+          <a:fontRef idx="minor">
+            <a:schemeClr val="tx1"/>
+          </a:fontRef>
+        </p:style>
+      </p:cxnSp>
+      <p:sp>
+        <p:nvSpPr>
+          <p:cNvPr id="12" name="圆角矩形 1"/>
+          <p:cNvSpPr/>
+          <p:nvPr/>
+        </p:nvSpPr>
+        <p:spPr>
+          <a:xfrm>
+            <a:off x="1526480" y="1923067"/>
+            <a:ext cx="980387" cy="641023"/>
+          </a:xfrm>
+          <a:prstGeom prst="roundRect">
+            <a:avLst/>
+          </a:prstGeom>
+          <a:noFill/>
+        </p:spPr>
+        <p:style>
+          <a:lnRef idx="2">
+            <a:schemeClr val="accent1">
+              <a:shade val="50000"/>
+            </a:schemeClr>
+          </a:lnRef>
+          <a:fillRef idx="1">
+            <a:schemeClr val="accent1"/>
+          </a:fillRef>
+          <a:effectRef idx="0">
+            <a:schemeClr val="accent1"/>
+          </a:effectRef>
+          <a:fontRef idx="minor">
+            <a:schemeClr val="lt1"/>
+          </a:fontRef>
+        </p:style>
+        <p:txBody>
+          <a:bodyPr rtlCol="0" anchor="ctr"/>
+          <a:lstStyle/>
+          <a:p>
+            <a:pPr algn="ctr"/>
+            <a:r>
+              <a:rPr lang="en-US" altLang="zh-CN" dirty="0" smtClean="0">
+                <a:solidFill>
+                  <a:schemeClr val="tx1"/>
+                </a:solidFill>
+              </a:rPr>
+              <a:t>A0</a:t>
+            </a:r>
+            <a:endParaRPr lang="zh-CN" altLang="en-US" dirty="0">
+              <a:solidFill>
+                <a:schemeClr val="tx1"/>
+              </a:solidFill>
+            </a:endParaRPr>
+          </a:p>
+        </p:txBody>
+      </p:sp>
+      <p:cxnSp>
+        <p:nvCxnSpPr>
+          <p:cNvPr id="13" name="直接箭头连接符 6"/>
+          <p:cNvCxnSpPr>
+            <a:stCxn id="12" idx="3"/>
+            <a:endCxn id="2" idx="1"/>
+          </p:cNvCxnSpPr>
+          <p:nvPr/>
+        </p:nvCxnSpPr>
+        <p:spPr>
+          <a:xfrm>
+            <a:off x="2506867" y="2243579"/>
+            <a:ext cx="943344" cy="0"/>
+          </a:xfrm>
+          <a:prstGeom prst="straightConnector1">
+            <a:avLst/>
+          </a:prstGeom>
+          <a:ln w="38100">
+            <a:solidFill>
+              <a:schemeClr val="tx1"/>
+            </a:solidFill>
+            <a:tailEnd type="triangle"/>
+          </a:ln>
+        </p:spPr>
+        <p:style>
+          <a:lnRef idx="1">
+            <a:schemeClr val="accent1"/>
+          </a:lnRef>
+          <a:fillRef idx="0">
+            <a:schemeClr val="accent1"/>
+          </a:fillRef>
+          <a:effectRef idx="0">
+            <a:schemeClr val="accent1"/>
+          </a:effectRef>
+          <a:fontRef idx="minor">
+            <a:schemeClr val="tx1"/>
+          </a:fontRef>
+        </p:style>
+      </p:cxnSp>
+      <p:cxnSp>
+        <p:nvCxnSpPr>
+          <p:cNvPr id="14" name="直接箭头连接符 6"/>
+          <p:cNvCxnSpPr>
+            <a:stCxn id="12" idx="3"/>
+            <a:endCxn id="9" idx="1"/>
+          </p:cNvCxnSpPr>
+          <p:nvPr/>
+        </p:nvCxnSpPr>
+        <p:spPr>
+          <a:xfrm>
+            <a:off x="2506867" y="2243579"/>
+            <a:ext cx="943343" cy="1110867"/>
+          </a:xfrm>
+          <a:prstGeom prst="straightConnector1">
+            <a:avLst/>
+          </a:prstGeom>
+          <a:ln w="38100">
+            <a:solidFill>
+              <a:schemeClr val="tx1"/>
+            </a:solidFill>
+            <a:tailEnd type="triangle"/>
+          </a:ln>
+        </p:spPr>
+        <p:style>
+          <a:lnRef idx="1">
+            <a:schemeClr val="accent1"/>
+          </a:lnRef>
+          <a:fillRef idx="0">
+            <a:schemeClr val="accent1"/>
+          </a:fillRef>
+          <a:effectRef idx="0">
+            <a:schemeClr val="accent1"/>
+          </a:effectRef>
+          <a:fontRef idx="minor">
+            <a:schemeClr val="tx1"/>
+          </a:fontRef>
+        </p:style>
+      </p:cxnSp>
+      <p:cxnSp>
+        <p:nvCxnSpPr>
+          <p:cNvPr id="17" name="直接箭头连接符 6"/>
+          <p:cNvCxnSpPr>
+            <a:endCxn id="6" idx="1"/>
+          </p:cNvCxnSpPr>
+          <p:nvPr/>
+        </p:nvCxnSpPr>
+        <p:spPr>
+          <a:xfrm flipV="1">
+            <a:off x="5992305" y="2243577"/>
+            <a:ext cx="581320" cy="1074881"/>
           </a:xfrm>
           <a:prstGeom prst="straightConnector1">
             <a:avLst/>
@@ -3451,7 +3767,7 @@
   <a:extraClrSchemeLst/>
   <a:extLst>
     <a:ext uri="{05A4C25C-085E-4340-85A3-A5531E510DB2}">
-      <thm15:themeFamily xmlns:thm15="http://schemas.microsoft.com/office/thememl/2012/main" name="Office Theme" id="{62F939B6-93AF-4DB8-9C6B-D6C7DFDC589F}" vid="{4A3C46E8-61CC-4603-A589-7422A47A8E4A}"/>
+      <thm15:themeFamily xmlns:thm15="http://schemas.microsoft.com/office/thememl/2012/main" xmlns="" name="Office Theme" id="{62F939B6-93AF-4DB8-9C6B-D6C7DFDC589F}" vid="{4A3C46E8-61CC-4603-A589-7422A47A8E4A}"/>
     </a:ext>
   </a:extLst>
 </a:theme>
